--- a/Topic.pptx
+++ b/Topic.pptx
@@ -294,7 +294,7 @@
             <a:fld id="{9D81BCC0-3070-4BAD-BF42-28780894AC4A}" type="datetimeFigureOut">
               <a:rPr lang="en-US" smtClean="0"/>
               <a:pPr/>
-              <a:t>4/7/2016</a:t>
+              <a:t>4/10/2016</a:t>
             </a:fld>
             <a:endParaRPr lang="en-US" dirty="0"/>
           </a:p>
@@ -461,7 +461,7 @@
             <a:fld id="{96CCC573-8539-4BEA-BCAD-D268CFFA558F}" type="datetimeFigureOut">
               <a:rPr lang="en-US" smtClean="0"/>
               <a:pPr/>
-              <a:t>4/7/2016</a:t>
+              <a:t>4/10/2016</a:t>
             </a:fld>
             <a:endParaRPr lang="en-US" dirty="0"/>
           </a:p>
@@ -3264,7 +3264,7 @@
           <a:p>
             <a:fld id="{E8B78C39-F189-49E0-B540-3C245889542E}" type="datetime1">
               <a:rPr lang="en-US" smtClean="0"/>
-              <a:t>4/7/2016</a:t>
+              <a:t>4/10/2016</a:t>
             </a:fld>
             <a:endParaRPr lang="en-US" dirty="0"/>
           </a:p>
@@ -4041,7 +4041,7 @@
           <a:p>
             <a:fld id="{315A5E98-02B4-4AFE-817A-01BF5270EBE1}" type="datetime1">
               <a:rPr lang="en-US" smtClean="0"/>
-              <a:t>4/7/2016</a:t>
+              <a:t>4/10/2016</a:t>
             </a:fld>
             <a:endParaRPr lang="en-US" dirty="0"/>
           </a:p>
@@ -4336,7 +4336,7 @@
           <a:p>
             <a:fld id="{31EFDE1A-2ED6-46D5-9D73-EC8C0BB9DDA3}" type="datetime1">
               <a:rPr lang="en-US" smtClean="0"/>
-              <a:t>4/7/2016</a:t>
+              <a:t>4/10/2016</a:t>
             </a:fld>
             <a:endParaRPr lang="en-US" dirty="0"/>
           </a:p>
@@ -4682,7 +4682,7 @@
           <a:p>
             <a:fld id="{F6C46FEC-B225-4CDF-B95E-F5826ED9E6B2}" type="datetime1">
               <a:rPr lang="en-US" smtClean="0"/>
-              <a:t>4/7/2016</a:t>
+              <a:t>4/10/2016</a:t>
             </a:fld>
             <a:endParaRPr lang="en-US" dirty="0"/>
           </a:p>
@@ -5210,7 +5210,7 @@
           <a:p>
             <a:fld id="{114887B8-A2A1-46C2-9A63-6D4ADC8E1FC1}" type="datetime1">
               <a:rPr lang="en-US" smtClean="0"/>
-              <a:t>4/7/2016</a:t>
+              <a:t>4/10/2016</a:t>
             </a:fld>
             <a:endParaRPr lang="en-US" dirty="0"/>
           </a:p>
@@ -5354,7 +5354,7 @@
           <a:p>
             <a:fld id="{587ACAB9-BB91-4321-A640-16D14EA66552}" type="datetime1">
               <a:rPr lang="en-US" smtClean="0"/>
-              <a:t>4/7/2016</a:t>
+              <a:t>4/10/2016</a:t>
             </a:fld>
             <a:endParaRPr lang="en-US" dirty="0"/>
           </a:p>
@@ -5498,7 +5498,7 @@
           <a:p>
             <a:fld id="{B7518175-B634-4937-B81C-52A779E41143}" type="datetime1">
               <a:rPr lang="en-US" smtClean="0"/>
-              <a:t>4/7/2016</a:t>
+              <a:t>4/10/2016</a:t>
             </a:fld>
             <a:endParaRPr lang="en-US" dirty="0"/>
           </a:p>
@@ -5840,7 +5840,7 @@
           <a:p>
             <a:fld id="{791AB0C5-6224-4F01-B4E0-07498C3F82E5}" type="datetime1">
               <a:rPr lang="en-US" smtClean="0"/>
-              <a:t>4/7/2016</a:t>
+              <a:t>4/10/2016</a:t>
             </a:fld>
             <a:endParaRPr lang="en-US" dirty="0"/>
           </a:p>
@@ -6151,7 +6151,7 @@
           <a:p>
             <a:fld id="{2ACB0B57-4C48-4B73-9F36-080AAC556524}" type="datetime1">
               <a:rPr lang="en-US" smtClean="0"/>
-              <a:t>4/7/2016</a:t>
+              <a:t>4/10/2016</a:t>
             </a:fld>
             <a:endParaRPr lang="en-US" dirty="0"/>
           </a:p>
@@ -6329,7 +6329,7 @@
           <a:p>
             <a:fld id="{2A032117-1C13-4077-98D2-FD24266EFAA4}" type="datetime1">
               <a:rPr lang="en-US" smtClean="0"/>
-              <a:t>4/7/2016</a:t>
+              <a:t>4/10/2016</a:t>
             </a:fld>
             <a:endParaRPr lang="en-US" dirty="0"/>
           </a:p>
@@ -9285,6 +9285,50 @@
           <a:bodyPr/>
           <a:lstStyle/>
           <a:p>
+            <a:pPr marL="0" indent="0">
+              <a:buNone/>
+            </a:pPr>
+            <a:r>
+              <a:rPr lang="en-US" dirty="0"/>
+              <a:t>SMS Application include:</a:t>
+            </a:r>
+          </a:p>
+          <a:p>
+            <a:pPr lvl="1"/>
+            <a:r>
+              <a:rPr lang="en-US" dirty="0" smtClean="0"/>
+              <a:t>Server </a:t>
+            </a:r>
+            <a:r>
+              <a:rPr lang="en-US" dirty="0"/>
+              <a:t>side</a:t>
+            </a:r>
+          </a:p>
+          <a:p>
+            <a:pPr lvl="1"/>
+            <a:r>
+              <a:rPr lang="en-US" dirty="0" smtClean="0"/>
+              <a:t>Client side</a:t>
+            </a:r>
+          </a:p>
+          <a:p>
+            <a:pPr marL="457200" lvl="1" indent="0">
+              <a:buNone/>
+            </a:pPr>
+            <a:endParaRPr lang="en-US" dirty="0"/>
+          </a:p>
+          <a:p>
+            <a:pPr marL="0" indent="0">
+              <a:buNone/>
+            </a:pPr>
+            <a:r>
+              <a:rPr lang="en-US" dirty="0" smtClean="0"/>
+              <a:t>Using </a:t>
+            </a:r>
+            <a:r>
+              <a:rPr lang="en-US" dirty="0"/>
+              <a:t>Netcom library to send/receive message together.</a:t>
+            </a:r>
             <a:endParaRPr lang="en-US" dirty="0"/>
           </a:p>
         </p:txBody>
